--- a/Prezentacja.pptx
+++ b/Prezentacja.pptx
@@ -295,7 +295,7 @@
             <a:fld id="{66221E02-25CB-4963-84BC-0813985E7D90}" type="datetimeFigureOut">
               <a:rPr lang="pl-PL" smtClean="0"/>
               <a:pPr/>
-              <a:t>2016-01-07</a:t>
+              <a:t>2016-01-08</a:t>
             </a:fld>
             <a:endParaRPr lang="pl-PL"/>
           </a:p>
@@ -462,7 +462,7 @@
             <a:fld id="{66221E02-25CB-4963-84BC-0813985E7D90}" type="datetimeFigureOut">
               <a:rPr lang="pl-PL" smtClean="0"/>
               <a:pPr/>
-              <a:t>2016-01-07</a:t>
+              <a:t>2016-01-08</a:t>
             </a:fld>
             <a:endParaRPr lang="pl-PL"/>
           </a:p>
@@ -639,7 +639,7 @@
             <a:fld id="{66221E02-25CB-4963-84BC-0813985E7D90}" type="datetimeFigureOut">
               <a:rPr lang="pl-PL" smtClean="0"/>
               <a:pPr/>
-              <a:t>2016-01-07</a:t>
+              <a:t>2016-01-08</a:t>
             </a:fld>
             <a:endParaRPr lang="pl-PL"/>
           </a:p>
@@ -806,7 +806,7 @@
             <a:fld id="{66221E02-25CB-4963-84BC-0813985E7D90}" type="datetimeFigureOut">
               <a:rPr lang="pl-PL" smtClean="0"/>
               <a:pPr/>
-              <a:t>2016-01-07</a:t>
+              <a:t>2016-01-08</a:t>
             </a:fld>
             <a:endParaRPr lang="pl-PL"/>
           </a:p>
@@ -1049,7 +1049,7 @@
             <a:fld id="{66221E02-25CB-4963-84BC-0813985E7D90}" type="datetimeFigureOut">
               <a:rPr lang="pl-PL" smtClean="0"/>
               <a:pPr/>
-              <a:t>2016-01-07</a:t>
+              <a:t>2016-01-08</a:t>
             </a:fld>
             <a:endParaRPr lang="pl-PL"/>
           </a:p>
@@ -1334,7 +1334,7 @@
             <a:fld id="{66221E02-25CB-4963-84BC-0813985E7D90}" type="datetimeFigureOut">
               <a:rPr lang="pl-PL" smtClean="0"/>
               <a:pPr/>
-              <a:t>2016-01-07</a:t>
+              <a:t>2016-01-08</a:t>
             </a:fld>
             <a:endParaRPr lang="pl-PL"/>
           </a:p>
@@ -1753,7 +1753,7 @@
             <a:fld id="{66221E02-25CB-4963-84BC-0813985E7D90}" type="datetimeFigureOut">
               <a:rPr lang="pl-PL" smtClean="0"/>
               <a:pPr/>
-              <a:t>2016-01-07</a:t>
+              <a:t>2016-01-08</a:t>
             </a:fld>
             <a:endParaRPr lang="pl-PL"/>
           </a:p>
@@ -1868,7 +1868,7 @@
             <a:fld id="{66221E02-25CB-4963-84BC-0813985E7D90}" type="datetimeFigureOut">
               <a:rPr lang="pl-PL" smtClean="0"/>
               <a:pPr/>
-              <a:t>2016-01-07</a:t>
+              <a:t>2016-01-08</a:t>
             </a:fld>
             <a:endParaRPr lang="pl-PL"/>
           </a:p>
@@ -1960,7 +1960,7 @@
             <a:fld id="{66221E02-25CB-4963-84BC-0813985E7D90}" type="datetimeFigureOut">
               <a:rPr lang="pl-PL" smtClean="0"/>
               <a:pPr/>
-              <a:t>2016-01-07</a:t>
+              <a:t>2016-01-08</a:t>
             </a:fld>
             <a:endParaRPr lang="pl-PL"/>
           </a:p>
@@ -2234,7 +2234,7 @@
             <a:fld id="{66221E02-25CB-4963-84BC-0813985E7D90}" type="datetimeFigureOut">
               <a:rPr lang="pl-PL" smtClean="0"/>
               <a:pPr/>
-              <a:t>2016-01-07</a:t>
+              <a:t>2016-01-08</a:t>
             </a:fld>
             <a:endParaRPr lang="pl-PL"/>
           </a:p>
@@ -2484,7 +2484,7 @@
             <a:fld id="{66221E02-25CB-4963-84BC-0813985E7D90}" type="datetimeFigureOut">
               <a:rPr lang="pl-PL" smtClean="0"/>
               <a:pPr/>
-              <a:t>2016-01-07</a:t>
+              <a:t>2016-01-08</a:t>
             </a:fld>
             <a:endParaRPr lang="pl-PL"/>
           </a:p>
@@ -2694,7 +2694,7 @@
             <a:fld id="{66221E02-25CB-4963-84BC-0813985E7D90}" type="datetimeFigureOut">
               <a:rPr lang="pl-PL" smtClean="0"/>
               <a:pPr/>
-              <a:t>2016-01-07</a:t>
+              <a:t>2016-01-08</a:t>
             </a:fld>
             <a:endParaRPr lang="pl-PL"/>
           </a:p>
@@ -3255,19 +3255,7 @@
           <a:p>
             <a:r>
               <a:rPr lang="en-US" dirty="0" smtClean="0"/>
-              <a:t>Copyright Ericsson AB 2002-2013. All Rights Reserved</a:t>
-            </a:r>
-            <a:r>
-              <a:rPr lang="en-US" dirty="0" smtClean="0"/>
-              <a:t>. Licensed </a:t>
-            </a:r>
-            <a:r>
-              <a:rPr lang="en-US" dirty="0" smtClean="0"/>
-              <a:t>under the Apache License, Version </a:t>
-            </a:r>
-            <a:r>
-              <a:rPr lang="en-US" dirty="0" smtClean="0"/>
-              <a:t>2.0</a:t>
+              <a:t>Copyright Ericsson AB 2002-2013. All Rights Reserved. Licensed under the Apache License, Version 2.0</a:t>
             </a:r>
             <a:endParaRPr lang="pl-PL" dirty="0" smtClean="0"/>
           </a:p>
@@ -3442,11 +3430,13 @@
         <p:spPr>
           <a:xfrm>
             <a:off x="395536" y="908720"/>
-            <a:ext cx="8229600" cy="4525963"/>
+            <a:ext cx="8229600" cy="4464495"/>
           </a:xfrm>
         </p:spPr>
         <p:txBody>
-          <a:bodyPr/>
+          <a:bodyPr>
+            <a:normAutofit/>
+          </a:bodyPr>
           <a:lstStyle/>
           <a:p>
             <a:pPr>
@@ -3460,21 +3450,45 @@
               <a:rPr lang="pl-PL" b="1" dirty="0" smtClean="0"/>
               <a:t> </a:t>
             </a:r>
+            <a:endParaRPr lang="pl-PL" b="1" dirty="0" smtClean="0"/>
+          </a:p>
+          <a:p>
+            <a:pPr>
+              <a:buNone/>
+            </a:pPr>
+            <a:r>
+              <a:rPr lang="pl-PL" b="1" dirty="0" smtClean="0"/>
+              <a:t>-</a:t>
+            </a:r>
             <a:r>
               <a:rPr lang="en-US" dirty="0" err="1" smtClean="0"/>
               <a:t>cpu</a:t>
             </a:r>
             <a:r>
               <a:rPr lang="en-US" dirty="0" smtClean="0"/>
-              <a:t> is Runtime/</a:t>
-            </a:r>
-            <a:r>
-              <a:rPr lang="en-US" dirty="0" err="1" smtClean="0"/>
-              <a:t>Wallclock</a:t>
+              <a:t> </a:t>
+            </a:r>
+            <a:r>
+              <a:rPr lang="pl-PL" dirty="0" smtClean="0"/>
+              <a:t>czyli procentowy </a:t>
+            </a:r>
+            <a:r>
+              <a:rPr lang="pl-PL" dirty="0" smtClean="0"/>
+              <a:t>czas węzeł jest aktywny</a:t>
             </a:r>
             <a:r>
               <a:rPr lang="en-US" dirty="0" smtClean="0"/>
-              <a:t>, i.e. the percentage of time where the node has been active, </a:t>
+              <a:t>, </a:t>
+            </a:r>
+            <a:endParaRPr lang="pl-PL" dirty="0" smtClean="0"/>
+          </a:p>
+          <a:p>
+            <a:pPr>
+              <a:buNone/>
+            </a:pPr>
+            <a:r>
+              <a:rPr lang="pl-PL" dirty="0" smtClean="0"/>
+              <a:t>-</a:t>
             </a:r>
             <a:r>
               <a:rPr lang="en-US" dirty="0" err="1" smtClean="0"/>
@@ -3482,7 +3496,28 @@
             </a:r>
             <a:r>
               <a:rPr lang="en-US" dirty="0" smtClean="0"/>
-              <a:t> is the number of processes on the node, and </a:t>
+              <a:t> </a:t>
+            </a:r>
+            <a:r>
+              <a:rPr lang="pl-PL" dirty="0" smtClean="0"/>
+              <a:t>to liczba </a:t>
+            </a:r>
+            <a:r>
+              <a:rPr lang="pl-PL" dirty="0" smtClean="0"/>
+              <a:t>procesów w węźle</a:t>
+            </a:r>
+            <a:r>
+              <a:rPr lang="pl-PL" dirty="0" smtClean="0"/>
+              <a:t>,</a:t>
+            </a:r>
+          </a:p>
+          <a:p>
+            <a:pPr>
+              <a:buNone/>
+            </a:pPr>
+            <a:r>
+              <a:rPr lang="pl-PL" dirty="0" smtClean="0"/>
+              <a:t>-</a:t>
             </a:r>
             <a:r>
               <a:rPr lang="en-US" dirty="0" err="1" smtClean="0"/>
@@ -3490,7 +3525,19 @@
             </a:r>
             <a:r>
               <a:rPr lang="en-US" dirty="0" smtClean="0"/>
-              <a:t> is the number of processes that are ready to run.</a:t>
+              <a:t> </a:t>
+            </a:r>
+            <a:r>
+              <a:rPr lang="pl-PL" dirty="0" smtClean="0"/>
+              <a:t>to liczba procesów, </a:t>
+            </a:r>
+            <a:r>
+              <a:rPr lang="pl-PL" dirty="0" smtClean="0"/>
+              <a:t>które są gotowe do uruchomienia</a:t>
+            </a:r>
+            <a:r>
+              <a:rPr lang="en-US" dirty="0" smtClean="0"/>
+              <a:t>.</a:t>
             </a:r>
             <a:endParaRPr lang="pl-PL" dirty="0" smtClean="0"/>
           </a:p>
@@ -3499,25 +3546,28 @@
               <a:buNone/>
             </a:pPr>
             <a:r>
-              <a:rPr lang="en-US" b="1" dirty="0" err="1" smtClean="0"/>
+              <a:rPr lang="en-US" b="1" dirty="0" smtClean="0"/>
               <a:t>Memory</a:t>
             </a:r>
             <a:r>
-              <a:rPr lang="en-US" dirty="0" err="1" smtClean="0"/>
-              <a:t>This</a:t>
-            </a:r>
-            <a:r>
-              <a:rPr lang="en-US" dirty="0" smtClean="0"/>
-              <a:t> is the memory allocated by the node in kilo </a:t>
-            </a:r>
-            <a:r>
-              <a:rPr lang="en-US" dirty="0" err="1" smtClean="0"/>
-              <a:t>bytes.For</a:t>
-            </a:r>
-            <a:r>
-              <a:rPr lang="en-US" dirty="0" smtClean="0"/>
-              <a:t> each process the following information is presented:</a:t>
-            </a:r>
+              <a:rPr lang="pl-PL" b="1" dirty="0" smtClean="0"/>
+              <a:t> </a:t>
+            </a:r>
+            <a:endParaRPr lang="pl-PL" b="1" dirty="0" smtClean="0"/>
+          </a:p>
+          <a:p>
+            <a:pPr>
+              <a:buNone/>
+            </a:pPr>
+            <a:r>
+              <a:rPr lang="pl-PL" dirty="0" smtClean="0"/>
+              <a:t>Pamięć </a:t>
+            </a:r>
+            <a:r>
+              <a:rPr lang="pl-PL" dirty="0" smtClean="0"/>
+              <a:t>zaalokowana przez węzeł w kilo bajtach.</a:t>
+            </a:r>
+            <a:endParaRPr lang="en-US" dirty="0" smtClean="0"/>
           </a:p>
           <a:p>
             <a:endParaRPr lang="pl-PL" dirty="0"/>
@@ -3559,10 +3609,15 @@
             <p:ph idx="1"/>
           </p:nvPr>
         </p:nvSpPr>
-        <p:spPr/>
+        <p:spPr>
+          <a:xfrm>
+            <a:off x="467544" y="332656"/>
+            <a:ext cx="8229600" cy="6120680"/>
+          </a:xfrm>
+        </p:spPr>
         <p:txBody>
           <a:bodyPr>
-            <a:normAutofit lnSpcReduction="10000"/>
+            <a:normAutofit/>
           </a:bodyPr>
           <a:lstStyle/>
           <a:p>
@@ -3570,90 +3625,175 @@
               <a:buNone/>
             </a:pPr>
             <a:r>
+              <a:rPr lang="pl-PL" dirty="0" smtClean="0"/>
+              <a:t> Dla każdego procesu wyświetlane są</a:t>
+            </a:r>
+          </a:p>
+          <a:p>
+            <a:pPr>
+              <a:buNone/>
+            </a:pPr>
+            <a:r>
+              <a:rPr lang="pl-PL" dirty="0" smtClean="0"/>
+              <a:t>następujące informacje</a:t>
+            </a:r>
+            <a:r>
+              <a:rPr lang="en-US" dirty="0" smtClean="0"/>
+              <a:t>:</a:t>
+            </a:r>
+            <a:endParaRPr lang="pl-PL" dirty="0" smtClean="0"/>
+          </a:p>
+          <a:p>
+            <a:pPr>
+              <a:buNone/>
+            </a:pPr>
+            <a:r>
+              <a:rPr lang="pl-PL" b="1" dirty="0" smtClean="0"/>
+              <a:t>-</a:t>
+            </a:r>
+            <a:r>
+              <a:rPr lang="en-US" b="1" dirty="0" smtClean="0"/>
+              <a:t>Time</a:t>
+            </a:r>
+            <a:r>
+              <a:rPr lang="pl-PL" dirty="0" smtClean="0"/>
+              <a:t> jest to czas pracy procesu, czyli rzeczywisty czas, kiedy proces był obsłużony,</a:t>
+            </a:r>
+            <a:endParaRPr lang="pl-PL" dirty="0" smtClean="0"/>
+          </a:p>
+          <a:p>
+            <a:pPr>
+              <a:buNone/>
+            </a:pPr>
+            <a:r>
+              <a:rPr lang="pl-PL" b="1" dirty="0" smtClean="0"/>
+              <a:t>-</a:t>
+            </a:r>
+            <a:r>
+              <a:rPr lang="en-US" b="1" dirty="0" smtClean="0"/>
+              <a:t>Reds</a:t>
+            </a:r>
+            <a:r>
+              <a:rPr lang="pl-PL" b="1" dirty="0" smtClean="0"/>
+              <a:t> </a:t>
+            </a:r>
+            <a:r>
+              <a:rPr lang="pl-PL" dirty="0" smtClean="0"/>
+              <a:t>to liczba redukcji wykonanych na procesie,</a:t>
+            </a:r>
+          </a:p>
+          <a:p>
+            <a:pPr>
+              <a:buNone/>
+            </a:pPr>
+            <a:r>
+              <a:rPr lang="pl-PL" b="1" dirty="0" smtClean="0"/>
+              <a:t>-</a:t>
+            </a:r>
+            <a:r>
+              <a:rPr lang="en-US" b="1" dirty="0" smtClean="0"/>
+              <a:t>Memory</a:t>
+            </a:r>
+            <a:r>
+              <a:rPr lang="pl-PL" dirty="0" smtClean="0"/>
+              <a:t> jest to rozmiar procesu w bajtach</a:t>
+            </a:r>
+            <a:r>
+              <a:rPr lang="en-US" dirty="0" smtClean="0"/>
+              <a:t>,</a:t>
+            </a:r>
+            <a:endParaRPr lang="pl-PL" dirty="0" smtClean="0"/>
+          </a:p>
+          <a:p>
+            <a:pPr>
+              <a:buNone/>
+            </a:pPr>
+            <a:r>
+              <a:rPr lang="pl-PL" dirty="0" smtClean="0"/>
+              <a:t>	otrzymywany przez </a:t>
+            </a:r>
+            <a:r>
+              <a:rPr lang="pl-PL" dirty="0" err="1" smtClean="0"/>
+              <a:t>wyw</a:t>
+            </a:r>
+            <a:r>
+              <a:rPr lang="en-US" dirty="0" smtClean="0"/>
+              <a:t>o</a:t>
+            </a:r>
+            <a:r>
+              <a:rPr lang="pl-PL" dirty="0" smtClean="0"/>
+              <a:t>łanie</a:t>
+            </a:r>
+            <a:r>
+              <a:rPr lang="en-US" dirty="0" smtClean="0"/>
+              <a:t> </a:t>
+            </a:r>
+            <a:endParaRPr lang="pl-PL" dirty="0" smtClean="0"/>
+          </a:p>
+          <a:p>
+            <a:pPr>
+              <a:buNone/>
+            </a:pPr>
+            <a:r>
+              <a:rPr lang="pl-PL" dirty="0" smtClean="0"/>
+              <a:t>	</a:t>
+            </a:r>
+            <a:r>
+              <a:rPr lang="en-US" dirty="0" err="1" smtClean="0"/>
+              <a:t>process_info</a:t>
+            </a:r>
+            <a:r>
+              <a:rPr lang="en-US" dirty="0" smtClean="0"/>
+              <a:t>(</a:t>
+            </a:r>
+            <a:r>
+              <a:rPr lang="en-US" dirty="0" err="1" smtClean="0"/>
+              <a:t>Pid,memory</a:t>
+            </a:r>
+            <a:r>
+              <a:rPr lang="en-US" dirty="0" smtClean="0"/>
+              <a:t>)</a:t>
+            </a:r>
+            <a:r>
+              <a:rPr lang="pl-PL" dirty="0" smtClean="0"/>
+              <a:t>,</a:t>
+            </a:r>
+          </a:p>
+          <a:p>
+            <a:pPr>
+              <a:buNone/>
+            </a:pPr>
+            <a:r>
+              <a:rPr lang="pl-PL" b="1" dirty="0" smtClean="0"/>
+              <a:t>-</a:t>
+            </a:r>
+            <a:r>
               <a:rPr lang="en-US" b="1" dirty="0" err="1" smtClean="0"/>
-              <a:t>Time</a:t>
-            </a:r>
-            <a:r>
-              <a:rPr lang="en-US" dirty="0" err="1" smtClean="0"/>
-              <a:t>This</a:t>
+              <a:t>MsgQ</a:t>
+            </a:r>
+            <a:r>
+              <a:rPr lang="pl-PL" b="1" dirty="0" smtClean="0"/>
+              <a:t> </a:t>
+            </a:r>
+            <a:r>
+              <a:rPr lang="pl-PL" dirty="0" smtClean="0"/>
+              <a:t>(</a:t>
             </a:r>
             <a:r>
               <a:rPr lang="en-US" dirty="0" smtClean="0"/>
-              <a:t> </a:t>
-            </a:r>
-            <a:r>
-              <a:rPr lang="en-US" dirty="0" smtClean="0"/>
-              <a:t>is the runtime for the process, i.e. the actual time the process has been scheduled in</a:t>
+              <a:t>message queue</a:t>
+            </a:r>
+            <a:r>
+              <a:rPr lang="pl-PL" dirty="0" smtClean="0"/>
+              <a:t>) to długość kolejki </a:t>
+            </a:r>
+            <a:r>
+              <a:rPr lang="pl-PL" dirty="0" smtClean="0"/>
+              <a:t>wiadomości procesu</a:t>
             </a:r>
             <a:r>
               <a:rPr lang="en-US" dirty="0" smtClean="0"/>
               <a:t>.</a:t>
-            </a:r>
-            <a:endParaRPr lang="pl-PL" dirty="0" smtClean="0"/>
-          </a:p>
-          <a:p>
-            <a:pPr>
-              <a:buNone/>
-            </a:pPr>
-            <a:r>
-              <a:rPr lang="en-US" b="1" dirty="0" err="1" smtClean="0"/>
-              <a:t>Reds</a:t>
-            </a:r>
-            <a:r>
-              <a:rPr lang="en-US" dirty="0" err="1" smtClean="0"/>
-              <a:t>This</a:t>
-            </a:r>
-            <a:r>
-              <a:rPr lang="en-US" dirty="0" smtClean="0"/>
-              <a:t> </a:t>
-            </a:r>
-            <a:r>
-              <a:rPr lang="en-US" dirty="0" smtClean="0"/>
-              <a:t>is the number of reductions that has been executed on the </a:t>
-            </a:r>
-            <a:r>
-              <a:rPr lang="en-US" dirty="0" err="1" smtClean="0"/>
-              <a:t>process</a:t>
-            </a:r>
-            <a:r>
-              <a:rPr lang="en-US" b="1" dirty="0" err="1" smtClean="0"/>
-              <a:t>Memory</a:t>
-            </a:r>
-            <a:r>
-              <a:rPr lang="en-US" dirty="0" err="1" smtClean="0"/>
-              <a:t>This</a:t>
-            </a:r>
-            <a:r>
-              <a:rPr lang="en-US" dirty="0" smtClean="0"/>
-              <a:t> is the size of the process in bytes, obtained by a call to </a:t>
-            </a:r>
-            <a:r>
-              <a:rPr lang="en-US" dirty="0" err="1" smtClean="0"/>
-              <a:t>process_info</a:t>
-            </a:r>
-            <a:r>
-              <a:rPr lang="en-US" dirty="0" smtClean="0"/>
-              <a:t>(</a:t>
-            </a:r>
-            <a:r>
-              <a:rPr lang="en-US" dirty="0" err="1" smtClean="0"/>
-              <a:t>Pid,memory</a:t>
-            </a:r>
-            <a:r>
-              <a:rPr lang="en-US" dirty="0" smtClean="0"/>
-              <a:t>).</a:t>
-            </a:r>
-            <a:r>
-              <a:rPr lang="en-US" b="1" dirty="0" err="1" smtClean="0"/>
-              <a:t>MsgQ</a:t>
-            </a:r>
-            <a:r>
-              <a:rPr lang="en-US" dirty="0" err="1" smtClean="0"/>
-              <a:t>This</a:t>
-            </a:r>
-            <a:r>
-              <a:rPr lang="en-US" dirty="0" smtClean="0"/>
-              <a:t> is the length of the message queue for the process.</a:t>
             </a:r>
             <a:endParaRPr lang="pl-PL" dirty="0"/>
           </a:p>
@@ -3699,7 +3839,7 @@
           <a:bodyPr/>
           <a:lstStyle/>
           <a:p>
-            <a:endParaRPr lang="pl-PL"/>
+            <a:endParaRPr lang="pl-PL" dirty="0"/>
           </a:p>
         </p:txBody>
       </p:sp>
